--- a/presentation/EAOverview.pptx
+++ b/presentation/EAOverview.pptx
@@ -2700,7 +2700,7 @@
               <a:pPr>
                 <a:defRPr/>
               </a:pPr>
-              <a:t>4/8/2015</a:t>
+              <a:t>6/12/2017</a:t>
             </a:fld>
             <a:endParaRPr lang="en-US"/>
           </a:p>
@@ -4104,7 +4104,7 @@
             <a:prstTxWarp prst="textNoShape">
               <a:avLst/>
             </a:prstTxWarp>
-            <a:normAutofit lnSpcReduction="10000"/>
+            <a:normAutofit/>
           </a:bodyPr>
           <a:lstStyle>
             <a:lvl1pPr algn="r" rtl="0" eaLnBrk="0" fontAlgn="base" hangingPunct="0">
@@ -4238,18 +4238,7 @@
           </a:lstStyle>
           <a:p>
             <a:pPr algn="l"/>
-            <a:r>
-              <a:rPr lang="en-US" sz="2400" dirty="0" smtClean="0"/>
-              <a:t>Rob Byrd</a:t>
-            </a:r>
-            <a:br>
-              <a:rPr lang="en-US" sz="2400" dirty="0" smtClean="0"/>
-            </a:br>
-            <a:r>
-              <a:rPr lang="en-US" sz="2400" dirty="0" smtClean="0"/>
-              <a:t>Chief Enterprise Architect</a:t>
-            </a:r>
-            <a:endParaRPr lang="en-US" sz="2400" dirty="0"/>
+            <a:endParaRPr lang="en-US" sz="2400" dirty="0" smtClean="0"/>
           </a:p>
         </p:txBody>
       </p:sp>
@@ -19533,31 +19522,7 @@
                   </a:outerShdw>
                 </a:effectLst>
               </a:rPr>
-              <a:t>Please champion </a:t>
-            </a:r>
-            <a:r>
-              <a:rPr lang="en-US" sz="2400" b="1" dirty="0" smtClean="0">
-                <a:effectLst>
-                  <a:outerShdw blurRad="38100" dist="38100" dir="2700000" algn="tl">
-                    <a:srgbClr val="000000">
-                      <a:alpha val="43137"/>
-                    </a:srgbClr>
-                  </a:outerShdw>
-                </a:effectLst>
-              </a:rPr>
-              <a:t>Enterprise </a:t>
-            </a:r>
-            <a:r>
-              <a:rPr lang="en-US" sz="2400" b="1" dirty="0" smtClean="0">
-                <a:effectLst>
-                  <a:outerShdw blurRad="38100" dist="38100" dir="2700000" algn="tl">
-                    <a:srgbClr val="000000">
-                      <a:alpha val="43137"/>
-                    </a:srgbClr>
-                  </a:outerShdw>
-                </a:effectLst>
-              </a:rPr>
-              <a:t>Architecture!</a:t>
+              <a:t>Please champion Enterprise Architecture!</a:t>
             </a:r>
             <a:endParaRPr lang="en-US" sz="2400" b="1" dirty="0">
               <a:effectLst>
@@ -23584,10 +23549,6 @@
 </file>
 
 <file path=customXml/item1.xml><?xml version="1.0" encoding="utf-8"?>
-<LongProperties xmlns="http://schemas.microsoft.com/office/2006/metadata/longProperties"/>
-</file>
-
-<file path=customXml/item2.xml><?xml version="1.0" encoding="utf-8"?>
 <?mso-contentType ?>
 <FormTemplates xmlns="http://schemas.microsoft.com/sharepoint/v3/contenttype/forms">
   <Display>DocumentLibraryForm</Display>
@@ -23596,63 +23557,11 @@
 </FormTemplates>
 </file>
 
-<file path=customXml/item3.xml><?xml version="1.0" encoding="utf-8"?>
-<p:properties xmlns:p="http://schemas.microsoft.com/office/2006/metadata/properties" xmlns:xsi="http://www.w3.org/2001/XMLSchema-instance" xmlns:pc="http://schemas.microsoft.com/office/infopath/2007/PartnerControls">
-  <documentManagement/>
-</p:properties>
+<file path=customXml/item2.xml><?xml version="1.0" encoding="utf-8"?>
+<LongProperties xmlns="http://schemas.microsoft.com/office/2006/metadata/longProperties"/>
 </file>
 
-<file path=customXml/item4.xml><?xml version="1.0" encoding="utf-8"?>
-<?mso-contentType ?>
-<spe:Receivers xmlns:spe="http://schemas.microsoft.com/sharepoint/events">
-  <Receiver>
-    <Name>Document ID Generator</Name>
-    <Synchronization>Synchronous</Synchronization>
-    <Type>10001</Type>
-    <SequenceNumber>1000</SequenceNumber>
-    <Url/>
-    <Assembly>Microsoft.Office.DocumentManagement, Version=15.0.0.0, Culture=neutral, PublicKeyToken=71e9bce111e9429c</Assembly>
-    <Class>Microsoft.Office.DocumentManagement.Internal.DocIdHandler</Class>
-    <Data/>
-    <Filter/>
-  </Receiver>
-  <Receiver>
-    <Name>Document ID Generator</Name>
-    <Synchronization>Synchronous</Synchronization>
-    <Type>10002</Type>
-    <SequenceNumber>1001</SequenceNumber>
-    <Url/>
-    <Assembly>Microsoft.Office.DocumentManagement, Version=15.0.0.0, Culture=neutral, PublicKeyToken=71e9bce111e9429c</Assembly>
-    <Class>Microsoft.Office.DocumentManagement.Internal.DocIdHandler</Class>
-    <Data/>
-    <Filter/>
-  </Receiver>
-  <Receiver>
-    <Name>Document ID Generator</Name>
-    <Synchronization>Synchronous</Synchronization>
-    <Type>10004</Type>
-    <SequenceNumber>1002</SequenceNumber>
-    <Url/>
-    <Assembly>Microsoft.Office.DocumentManagement, Version=15.0.0.0, Culture=neutral, PublicKeyToken=71e9bce111e9429c</Assembly>
-    <Class>Microsoft.Office.DocumentManagement.Internal.DocIdHandler</Class>
-    <Data/>
-    <Filter/>
-  </Receiver>
-  <Receiver>
-    <Name>Document ID Generator</Name>
-    <Synchronization>Synchronous</Synchronization>
-    <Type>10006</Type>
-    <SequenceNumber>1003</SequenceNumber>
-    <Url/>
-    <Assembly>Microsoft.Office.DocumentManagement, Version=15.0.0.0, Culture=neutral, PublicKeyToken=71e9bce111e9429c</Assembly>
-    <Class>Microsoft.Office.DocumentManagement.Internal.DocIdHandler</Class>
-    <Data/>
-    <Filter/>
-  </Receiver>
-</spe:Receivers>
-</file>
-
-<file path=customXml/item5.xml><?xml version="1.0" encoding="utf-8"?>
+<file path=customXml/item3.xml><?xml version="1.0" encoding="utf-8"?>
 <ct:contentTypeSchema xmlns:ct="http://schemas.microsoft.com/office/2006/metadata/contentType" xmlns:ma="http://schemas.microsoft.com/office/2006/metadata/properties/metaAttributes" ct:_="" ma:_="" ma:contentTypeName="Document" ma:contentTypeID="0x010100224E14249F63F541B9459B3B57F1A90F" ma:contentTypeVersion="31" ma:contentTypeDescription="Create a new document." ma:contentTypeScope="" ma:versionID="7a66d4b765eaa1b9767ab69ac850bc6c">
   <xsd:schema xmlns:xsd="http://www.w3.org/2001/XMLSchema" xmlns:xs="http://www.w3.org/2001/XMLSchema" xmlns:p="http://schemas.microsoft.com/office/2006/metadata/properties" xmlns:ns2="20786da5-6226-4c77-9716-1de3db41e44a" targetNamespace="http://schemas.microsoft.com/office/2006/metadata/properties" ma:root="true" ma:fieldsID="6d06cceca984d0a0a3d13897974360ca" ns2:_="">
     <xsd:import namespace="20786da5-6226-4c77-9716-1de3db41e44a"/>
@@ -23797,7 +23706,71 @@
 </ct:contentTypeSchema>
 </file>
 
+<file path=customXml/item4.xml><?xml version="1.0" encoding="utf-8"?>
+<?mso-contentType ?>
+<spe:Receivers xmlns:spe="http://schemas.microsoft.com/sharepoint/events">
+  <Receiver>
+    <Name>Document ID Generator</Name>
+    <Synchronization>Synchronous</Synchronization>
+    <Type>10001</Type>
+    <SequenceNumber>1000</SequenceNumber>
+    <Url/>
+    <Assembly>Microsoft.Office.DocumentManagement, Version=15.0.0.0, Culture=neutral, PublicKeyToken=71e9bce111e9429c</Assembly>
+    <Class>Microsoft.Office.DocumentManagement.Internal.DocIdHandler</Class>
+    <Data/>
+    <Filter/>
+  </Receiver>
+  <Receiver>
+    <Name>Document ID Generator</Name>
+    <Synchronization>Synchronous</Synchronization>
+    <Type>10002</Type>
+    <SequenceNumber>1001</SequenceNumber>
+    <Url/>
+    <Assembly>Microsoft.Office.DocumentManagement, Version=15.0.0.0, Culture=neutral, PublicKeyToken=71e9bce111e9429c</Assembly>
+    <Class>Microsoft.Office.DocumentManagement.Internal.DocIdHandler</Class>
+    <Data/>
+    <Filter/>
+  </Receiver>
+  <Receiver>
+    <Name>Document ID Generator</Name>
+    <Synchronization>Synchronous</Synchronization>
+    <Type>10004</Type>
+    <SequenceNumber>1002</SequenceNumber>
+    <Url/>
+    <Assembly>Microsoft.Office.DocumentManagement, Version=15.0.0.0, Culture=neutral, PublicKeyToken=71e9bce111e9429c</Assembly>
+    <Class>Microsoft.Office.DocumentManagement.Internal.DocIdHandler</Class>
+    <Data/>
+    <Filter/>
+  </Receiver>
+  <Receiver>
+    <Name>Document ID Generator</Name>
+    <Synchronization>Synchronous</Synchronization>
+    <Type>10006</Type>
+    <SequenceNumber>1003</SequenceNumber>
+    <Url/>
+    <Assembly>Microsoft.Office.DocumentManagement, Version=15.0.0.0, Culture=neutral, PublicKeyToken=71e9bce111e9429c</Assembly>
+    <Class>Microsoft.Office.DocumentManagement.Internal.DocIdHandler</Class>
+    <Data/>
+    <Filter/>
+  </Receiver>
+</spe:Receivers>
+</file>
+
+<file path=customXml/item5.xml><?xml version="1.0" encoding="utf-8"?>
+<p:properties xmlns:p="http://schemas.microsoft.com/office/2006/metadata/properties" xmlns:xsi="http://www.w3.org/2001/XMLSchema-instance" xmlns:pc="http://schemas.microsoft.com/office/infopath/2007/PartnerControls">
+  <documentManagement/>
+</p:properties>
+</file>
+
 <file path=customXml/itemProps1.xml><?xml version="1.0" encoding="utf-8"?>
+<ds:datastoreItem xmlns:ds="http://schemas.openxmlformats.org/officeDocument/2006/customXml" ds:itemID="{E22D7012-B588-4F18-80E7-CF91E2D42A4F}">
+  <ds:schemaRefs>
+    <ds:schemaRef ds:uri="http://schemas.microsoft.com/sharepoint/v3/contenttype/forms"/>
+  </ds:schemaRefs>
+</ds:datastoreItem>
+</file>
+
+<file path=customXml/itemProps2.xml><?xml version="1.0" encoding="utf-8"?>
 <ds:datastoreItem xmlns:ds="http://schemas.openxmlformats.org/officeDocument/2006/customXml" ds:itemID="{86A93862-CD00-4B45-BBCA-0EE6CB24AEEC}">
   <ds:schemaRefs>
     <ds:schemaRef ds:uri="http://schemas.microsoft.com/office/2006/metadata/longProperties"/>
@@ -23805,39 +23778,7 @@
 </ds:datastoreItem>
 </file>
 
-<file path=customXml/itemProps2.xml><?xml version="1.0" encoding="utf-8"?>
-<ds:datastoreItem xmlns:ds="http://schemas.openxmlformats.org/officeDocument/2006/customXml" ds:itemID="{E22D7012-B588-4F18-80E7-CF91E2D42A4F}">
-  <ds:schemaRefs>
-    <ds:schemaRef ds:uri="http://schemas.microsoft.com/sharepoint/v3/contenttype/forms"/>
-  </ds:schemaRefs>
-</ds:datastoreItem>
-</file>
-
 <file path=customXml/itemProps3.xml><?xml version="1.0" encoding="utf-8"?>
-<ds:datastoreItem xmlns:ds="http://schemas.openxmlformats.org/officeDocument/2006/customXml" ds:itemID="{B009FC98-0766-44FF-965C-0022ADC329AF}">
-  <ds:schemaRefs>
-    <ds:schemaRef ds:uri="http://schemas.microsoft.com/office/2006/documentManagement/types"/>
-    <ds:schemaRef ds:uri="http://www.w3.org/XML/1998/namespace"/>
-    <ds:schemaRef ds:uri="http://purl.org/dc/elements/1.1/"/>
-    <ds:schemaRef ds:uri="http://schemas.openxmlformats.org/package/2006/metadata/core-properties"/>
-    <ds:schemaRef ds:uri="http://purl.org/dc/terms/"/>
-    <ds:schemaRef ds:uri="20786da5-6226-4c77-9716-1de3db41e44a"/>
-    <ds:schemaRef ds:uri="http://purl.org/dc/dcmitype/"/>
-    <ds:schemaRef ds:uri="http://schemas.microsoft.com/office/infopath/2007/PartnerControls"/>
-    <ds:schemaRef ds:uri="http://schemas.microsoft.com/office/2006/metadata/properties"/>
-  </ds:schemaRefs>
-</ds:datastoreItem>
-</file>
-
-<file path=customXml/itemProps4.xml><?xml version="1.0" encoding="utf-8"?>
-<ds:datastoreItem xmlns:ds="http://schemas.openxmlformats.org/officeDocument/2006/customXml" ds:itemID="{F8C776FF-9316-421B-A4BB-4D73AF6BA226}">
-  <ds:schemaRefs>
-    <ds:schemaRef ds:uri="http://schemas.microsoft.com/sharepoint/events"/>
-  </ds:schemaRefs>
-</ds:datastoreItem>
-</file>
-
-<file path=customXml/itemProps5.xml><?xml version="1.0" encoding="utf-8"?>
 <ds:datastoreItem xmlns:ds="http://schemas.openxmlformats.org/officeDocument/2006/customXml" ds:itemID="{30CC64ED-F036-4174-B610-2AE07EA6C18D}">
   <ds:schemaRefs>
     <ds:schemaRef ds:uri="http://schemas.microsoft.com/office/2006/metadata/contentType"/>
@@ -23853,4 +23794,28 @@
     <ds:schemaRef ds:uri="http://schemas.microsoft.com/internal/obd"/>
   </ds:schemaRefs>
 </ds:datastoreItem>
+</file>
+
+<file path=customXml/itemProps4.xml><?xml version="1.0" encoding="utf-8"?>
+<ds:datastoreItem xmlns:ds="http://schemas.openxmlformats.org/officeDocument/2006/customXml" ds:itemID="{F8C776FF-9316-421B-A4BB-4D73AF6BA226}">
+  <ds:schemaRefs>
+    <ds:schemaRef ds:uri="http://schemas.microsoft.com/sharepoint/events"/>
+  </ds:schemaRefs>
+</ds:datastoreItem>
+</file>
+
+<file path=customXml/itemProps5.xml><?xml version="1.0" encoding="utf-8"?>
+<ds:datastoreItem xmlns:ds="http://schemas.openxmlformats.org/officeDocument/2006/customXml" ds:itemID="{B009FC98-0766-44FF-965C-0022ADC329AF}">
+  <ds:schemaRefs>
+    <ds:schemaRef ds:uri="http://schemas.microsoft.com/office/2006/documentManagement/types"/>
+    <ds:schemaRef ds:uri="http://www.w3.org/XML/1998/namespace"/>
+    <ds:schemaRef ds:uri="http://purl.org/dc/elements/1.1/"/>
+    <ds:schemaRef ds:uri="http://schemas.openxmlformats.org/package/2006/metadata/core-properties"/>
+    <ds:schemaRef ds:uri="http://purl.org/dc/terms/"/>
+    <ds:schemaRef ds:uri="20786da5-6226-4c77-9716-1de3db41e44a"/>
+    <ds:schemaRef ds:uri="http://purl.org/dc/dcmitype/"/>
+    <ds:schemaRef ds:uri="http://schemas.microsoft.com/office/infopath/2007/PartnerControls"/>
+    <ds:schemaRef ds:uri="http://schemas.microsoft.com/office/2006/metadata/properties"/>
+  </ds:schemaRefs>
+</ds:datastoreItem>
 </file>